--- a/Coffee and Productivity.pptx
+++ b/Coffee and Productivity.pptx
@@ -8,20 +8,17 @@
     <p:sldId id="256" r:id="rId2"/>
     <p:sldId id="257" r:id="rId3"/>
     <p:sldId id="272" r:id="rId4"/>
-    <p:sldId id="270" r:id="rId5"/>
-    <p:sldId id="271" r:id="rId6"/>
-    <p:sldId id="262" r:id="rId7"/>
-    <p:sldId id="264" r:id="rId8"/>
-    <p:sldId id="258" r:id="rId9"/>
-    <p:sldId id="259" r:id="rId10"/>
-    <p:sldId id="268" r:id="rId11"/>
+    <p:sldId id="271" r:id="rId5"/>
+    <p:sldId id="262" r:id="rId6"/>
+    <p:sldId id="264" r:id="rId7"/>
+    <p:sldId id="275" r:id="rId8"/>
+    <p:sldId id="276" r:id="rId9"/>
+    <p:sldId id="277" r:id="rId10"/>
+    <p:sldId id="258" r:id="rId11"/>
     <p:sldId id="269" r:id="rId12"/>
-    <p:sldId id="260" r:id="rId13"/>
-    <p:sldId id="263" r:id="rId14"/>
-    <p:sldId id="273" r:id="rId15"/>
-    <p:sldId id="261" r:id="rId16"/>
-    <p:sldId id="265" r:id="rId17"/>
-    <p:sldId id="275" r:id="rId18"/>
+    <p:sldId id="263" r:id="rId13"/>
+    <p:sldId id="273" r:id="rId14"/>
+    <p:sldId id="265" r:id="rId15"/>
   </p:sldIdLst>
   <p:sldSz cx="12192000" cy="6858000"/>
   <p:notesSz cx="6858000" cy="9144000"/>
@@ -128,20 +125,17 @@
             <p14:sldId id="256"/>
             <p14:sldId id="257"/>
             <p14:sldId id="272"/>
-            <p14:sldId id="270"/>
             <p14:sldId id="271"/>
             <p14:sldId id="262"/>
             <p14:sldId id="264"/>
+            <p14:sldId id="275"/>
+            <p14:sldId id="276"/>
+            <p14:sldId id="277"/>
             <p14:sldId id="258"/>
-            <p14:sldId id="259"/>
-            <p14:sldId id="268"/>
             <p14:sldId id="269"/>
-            <p14:sldId id="260"/>
             <p14:sldId id="263"/>
             <p14:sldId id="273"/>
-            <p14:sldId id="261"/>
             <p14:sldId id="265"/>
-            <p14:sldId id="275"/>
           </p14:sldIdLst>
         </p14:section>
       </p14:sectionLst>
@@ -3458,7 +3452,7 @@
           <p:cNvPr id="2" name="Title 1">
             <a:extLst>
               <a:ext uri="{FF2B5EF4-FFF2-40B4-BE49-F238E27FC236}">
-                <a16:creationId xmlns:a16="http://schemas.microsoft.com/office/drawing/2014/main" id="{96AB79A0-2A64-4B50-9E1E-566A01DF9BEB}"/>
+                <a16:creationId xmlns:a16="http://schemas.microsoft.com/office/drawing/2014/main" id="{84FF9AA2-15F6-45C2-BB9A-F743CCF9CEB2}"/>
               </a:ext>
             </a:extLst>
           </p:cNvPr>
@@ -3471,22 +3465,24 @@
         </p:nvSpPr>
         <p:spPr/>
         <p:txBody>
-          <a:bodyPr/>
-          <a:lstStyle/>
-          <a:p>
-            <a:r>
-              <a:rPr lang="en-US" dirty="0"/>
-              <a:t>Top Coffee Consuming Countries (per capita)</a:t>
+          <a:bodyPr>
+            <a:normAutofit/>
+          </a:bodyPr>
+          <a:lstStyle/>
+          <a:p>
+            <a:r>
+              <a:rPr lang="en-US" sz="3200" dirty="0"/>
+              <a:t>Top Coffee Consuming Countries</a:t>
             </a:r>
           </a:p>
         </p:txBody>
       </p:sp>
       <p:pic>
         <p:nvPicPr>
-          <p:cNvPr id="4" name="Content Placeholder 3">
-            <a:extLst>
-              <a:ext uri="{FF2B5EF4-FFF2-40B4-BE49-F238E27FC236}">
-                <a16:creationId xmlns:a16="http://schemas.microsoft.com/office/drawing/2014/main" id="{6EFB850A-2096-4301-BB45-749D13E47956}"/>
+          <p:cNvPr id="22" name="Content Placeholder 21">
+            <a:extLst>
+              <a:ext uri="{FF2B5EF4-FFF2-40B4-BE49-F238E27FC236}">
+                <a16:creationId xmlns:a16="http://schemas.microsoft.com/office/drawing/2014/main" id="{B773AACB-B7A6-4783-9094-6D485FD10BDB}"/>
               </a:ext>
             </a:extLst>
           </p:cNvPr>
@@ -3505,8 +3501,8 @@
         </p:blipFill>
         <p:spPr>
           <a:xfrm>
-            <a:off x="1371938" y="1825625"/>
-            <a:ext cx="9448124" cy="4351338"/>
+            <a:off x="742470" y="1825625"/>
+            <a:ext cx="8534670" cy="4351338"/>
           </a:xfrm>
           <a:prstGeom prst="rect">
             <a:avLst/>
@@ -3516,7 +3512,7 @@
     </p:spTree>
     <p:extLst>
       <p:ext uri="{BB962C8B-B14F-4D97-AF65-F5344CB8AC3E}">
-        <p14:creationId xmlns:p14="http://schemas.microsoft.com/office/powerpoint/2010/main" val="2680755634"/>
+        <p14:creationId xmlns:p14="http://schemas.microsoft.com/office/powerpoint/2010/main" val="4254449193"/>
       </p:ext>
     </p:extLst>
   </p:cSld>
@@ -3561,11 +3557,13 @@
         </p:nvSpPr>
         <p:spPr/>
         <p:txBody>
-          <a:bodyPr/>
-          <a:lstStyle/>
-          <a:p>
-            <a:r>
-              <a:rPr lang="en-US" dirty="0"/>
+          <a:bodyPr>
+            <a:normAutofit/>
+          </a:bodyPr>
+          <a:lstStyle/>
+          <a:p>
+            <a:r>
+              <a:rPr lang="en-US" sz="3200" dirty="0"/>
               <a:t>Top Productivity Countries (GDP per hour worked)</a:t>
             </a:r>
           </a:p>
@@ -3573,10 +3571,10 @@
       </p:sp>
       <p:pic>
         <p:nvPicPr>
-          <p:cNvPr id="4" name="Content Placeholder 3">
-            <a:extLst>
-              <a:ext uri="{FF2B5EF4-FFF2-40B4-BE49-F238E27FC236}">
-                <a16:creationId xmlns:a16="http://schemas.microsoft.com/office/drawing/2014/main" id="{EFF02499-531F-4A2F-A681-632CFC69AFF4}"/>
+          <p:cNvPr id="7" name="Content Placeholder 6">
+            <a:extLst>
+              <a:ext uri="{FF2B5EF4-FFF2-40B4-BE49-F238E27FC236}">
+                <a16:creationId xmlns:a16="http://schemas.microsoft.com/office/drawing/2014/main" id="{300353D6-4185-4711-A2A9-CEF345C871FE}"/>
               </a:ext>
             </a:extLst>
           </p:cNvPr>
@@ -3595,8 +3593,8 @@
         </p:blipFill>
         <p:spPr>
           <a:xfrm>
-            <a:off x="1757896" y="1825625"/>
-            <a:ext cx="8676208" cy="4351338"/>
+            <a:off x="719084" y="1825625"/>
+            <a:ext cx="8470604" cy="4351338"/>
           </a:xfrm>
           <a:prstGeom prst="rect">
             <a:avLst/>
@@ -3638,7 +3636,7 @@
           <p:cNvPr id="2" name="Title 1">
             <a:extLst>
               <a:ext uri="{FF2B5EF4-FFF2-40B4-BE49-F238E27FC236}">
-                <a16:creationId xmlns:a16="http://schemas.microsoft.com/office/drawing/2014/main" id="{6CAAB101-1E8E-481D-A376-D48ED0B30045}"/>
+                <a16:creationId xmlns:a16="http://schemas.microsoft.com/office/drawing/2014/main" id="{61B86CCA-2EA7-4117-A7B7-5A465C429C9A}"/>
               </a:ext>
             </a:extLst>
           </p:cNvPr>
@@ -3652,24 +3650,23 @@
         <p:spPr/>
         <p:txBody>
           <a:bodyPr>
-            <a:normAutofit fontScale="90000"/>
+            <a:normAutofit/>
           </a:bodyPr>
           <a:lstStyle/>
           <a:p>
             <a:r>
-              <a:rPr lang="en-US" b="1" dirty="0"/>
-              <a:t>Overall Trend: The Mean of Coffee Consumption and the Mean of Productivity by Year (Together)</a:t>
-            </a:r>
-            <a:endParaRPr lang="en-US" dirty="0"/>
+              <a:rPr lang="en-US" sz="3200" dirty="0"/>
+              <a:t>Correlation Between Coffee Consumption and Productivity</a:t>
+            </a:r>
           </a:p>
         </p:txBody>
       </p:sp>
       <p:pic>
         <p:nvPicPr>
-          <p:cNvPr id="4" name="Content Placeholder 3">
-            <a:extLst>
-              <a:ext uri="{FF2B5EF4-FFF2-40B4-BE49-F238E27FC236}">
-                <a16:creationId xmlns:a16="http://schemas.microsoft.com/office/drawing/2014/main" id="{652B74B6-FDC8-42CC-A9BC-65316CC11BE0}"/>
+          <p:cNvPr id="8" name="Content Placeholder 7">
+            <a:extLst>
+              <a:ext uri="{FF2B5EF4-FFF2-40B4-BE49-F238E27FC236}">
+                <a16:creationId xmlns:a16="http://schemas.microsoft.com/office/drawing/2014/main" id="{7DC49404-5F81-41B6-B515-C32571CF2A72}"/>
               </a:ext>
             </a:extLst>
           </p:cNvPr>
@@ -3688,8 +3685,38 @@
         </p:blipFill>
         <p:spPr>
           <a:xfrm>
-            <a:off x="2156829" y="1825625"/>
-            <a:ext cx="7878341" cy="4351338"/>
+            <a:off x="354382" y="1817716"/>
+            <a:ext cx="6833356" cy="4020611"/>
+          </a:xfrm>
+          <a:prstGeom prst="rect">
+            <a:avLst/>
+          </a:prstGeom>
+        </p:spPr>
+      </p:pic>
+      <p:pic>
+        <p:nvPicPr>
+          <p:cNvPr id="7" name="Picture 6">
+            <a:extLst>
+              <a:ext uri="{FF2B5EF4-FFF2-40B4-BE49-F238E27FC236}">
+                <a16:creationId xmlns:a16="http://schemas.microsoft.com/office/drawing/2014/main" id="{C037B5D6-8820-43B7-97FE-34E7E344EA2D}"/>
+              </a:ext>
+            </a:extLst>
+          </p:cNvPr>
+          <p:cNvPicPr>
+            <a:picLocks noChangeAspect="1"/>
+          </p:cNvPicPr>
+          <p:nvPr/>
+        </p:nvPicPr>
+        <p:blipFill>
+          <a:blip r:embed="rId3"/>
+          <a:stretch>
+            <a:fillRect/>
+          </a:stretch>
+        </p:blipFill>
+        <p:spPr>
+          <a:xfrm>
+            <a:off x="6422967" y="3912340"/>
+            <a:ext cx="5652655" cy="905274"/>
           </a:xfrm>
           <a:prstGeom prst="rect">
             <a:avLst/>
@@ -3699,7 +3726,7 @@
     </p:spTree>
     <p:extLst>
       <p:ext uri="{BB962C8B-B14F-4D97-AF65-F5344CB8AC3E}">
-        <p14:creationId xmlns:p14="http://schemas.microsoft.com/office/powerpoint/2010/main" val="352251450"/>
+        <p14:creationId xmlns:p14="http://schemas.microsoft.com/office/powerpoint/2010/main" val="3739352540"/>
       </p:ext>
     </p:extLst>
   </p:cSld>
@@ -3731,7 +3758,7 @@
           <p:cNvPr id="2" name="Title 1">
             <a:extLst>
               <a:ext uri="{FF2B5EF4-FFF2-40B4-BE49-F238E27FC236}">
-                <a16:creationId xmlns:a16="http://schemas.microsoft.com/office/drawing/2014/main" id="{61B86CCA-2EA7-4117-A7B7-5A465C429C9A}"/>
+                <a16:creationId xmlns:a16="http://schemas.microsoft.com/office/drawing/2014/main" id="{B352AAE0-02CC-4942-BE11-7C0CB0323D05}"/>
               </a:ext>
             </a:extLst>
           </p:cNvPr>
@@ -3750,19 +3777,18 @@
           <a:lstStyle/>
           <a:p>
             <a:r>
-              <a:rPr lang="en-US" b="1" dirty="0"/>
-              <a:t>Correlation Between Coffee Consumption and Productivity</a:t>
-            </a:r>
-            <a:endParaRPr lang="en-US" dirty="0"/>
+              <a:rPr lang="en-US" sz="3200" dirty="0"/>
+              <a:t>Correlation Between Coffee Consumption and Productivity (Two Cohort)</a:t>
+            </a:r>
           </a:p>
         </p:txBody>
       </p:sp>
       <p:pic>
         <p:nvPicPr>
-          <p:cNvPr id="4" name="Content Placeholder 3">
-            <a:extLst>
-              <a:ext uri="{FF2B5EF4-FFF2-40B4-BE49-F238E27FC236}">
-                <a16:creationId xmlns:a16="http://schemas.microsoft.com/office/drawing/2014/main" id="{2B7818F4-7E90-446B-BF94-5BF548DCC625}"/>
+          <p:cNvPr id="7" name="Content Placeholder 6">
+            <a:extLst>
+              <a:ext uri="{FF2B5EF4-FFF2-40B4-BE49-F238E27FC236}">
+                <a16:creationId xmlns:a16="http://schemas.microsoft.com/office/drawing/2014/main" id="{52ED4B14-4F6E-4CE3-9163-A8190879C0F3}"/>
               </a:ext>
             </a:extLst>
           </p:cNvPr>
@@ -3781,8 +3807,68 @@
         </p:blipFill>
         <p:spPr>
           <a:xfrm>
-            <a:off x="2176859" y="1825625"/>
-            <a:ext cx="7838282" cy="4351338"/>
+            <a:off x="466699" y="1875501"/>
+            <a:ext cx="7412580" cy="4351338"/>
+          </a:xfrm>
+          <a:prstGeom prst="rect">
+            <a:avLst/>
+          </a:prstGeom>
+        </p:spPr>
+      </p:pic>
+      <p:pic>
+        <p:nvPicPr>
+          <p:cNvPr id="8" name="Picture 7">
+            <a:extLst>
+              <a:ext uri="{FF2B5EF4-FFF2-40B4-BE49-F238E27FC236}">
+                <a16:creationId xmlns:a16="http://schemas.microsoft.com/office/drawing/2014/main" id="{D034F2D0-2E96-4824-AD2A-555CE082C68C}"/>
+              </a:ext>
+            </a:extLst>
+          </p:cNvPr>
+          <p:cNvPicPr>
+            <a:picLocks noChangeAspect="1"/>
+          </p:cNvPicPr>
+          <p:nvPr/>
+        </p:nvPicPr>
+        <p:blipFill>
+          <a:blip r:embed="rId3"/>
+          <a:stretch>
+            <a:fillRect/>
+          </a:stretch>
+        </p:blipFill>
+        <p:spPr>
+          <a:xfrm>
+            <a:off x="5896494" y="3445585"/>
+            <a:ext cx="5630488" cy="878546"/>
+          </a:xfrm>
+          <a:prstGeom prst="rect">
+            <a:avLst/>
+          </a:prstGeom>
+        </p:spPr>
+      </p:pic>
+      <p:pic>
+        <p:nvPicPr>
+          <p:cNvPr id="9" name="Picture 8">
+            <a:extLst>
+              <a:ext uri="{FF2B5EF4-FFF2-40B4-BE49-F238E27FC236}">
+                <a16:creationId xmlns:a16="http://schemas.microsoft.com/office/drawing/2014/main" id="{CD72E930-6154-4292-B76F-5CF622A87C3B}"/>
+              </a:ext>
+            </a:extLst>
+          </p:cNvPr>
+          <p:cNvPicPr>
+            <a:picLocks noChangeAspect="1"/>
+          </p:cNvPicPr>
+          <p:nvPr/>
+        </p:nvPicPr>
+        <p:blipFill>
+          <a:blip r:embed="rId4"/>
+          <a:stretch>
+            <a:fillRect/>
+          </a:stretch>
+        </p:blipFill>
+        <p:spPr>
+          <a:xfrm>
+            <a:off x="5924203" y="4671001"/>
+            <a:ext cx="5575069" cy="858363"/>
           </a:xfrm>
           <a:prstGeom prst="rect">
             <a:avLst/>
@@ -3792,7 +3878,7 @@
     </p:spTree>
     <p:extLst>
       <p:ext uri="{BB962C8B-B14F-4D97-AF65-F5344CB8AC3E}">
-        <p14:creationId xmlns:p14="http://schemas.microsoft.com/office/powerpoint/2010/main" val="3739352540"/>
+        <p14:creationId xmlns:p14="http://schemas.microsoft.com/office/powerpoint/2010/main" val="282318839"/>
       </p:ext>
     </p:extLst>
   </p:cSld>
@@ -3824,355 +3910,6 @@
           <p:cNvPr id="2" name="Title 1">
             <a:extLst>
               <a:ext uri="{FF2B5EF4-FFF2-40B4-BE49-F238E27FC236}">
-                <a16:creationId xmlns:a16="http://schemas.microsoft.com/office/drawing/2014/main" id="{B352AAE0-02CC-4942-BE11-7C0CB0323D05}"/>
-              </a:ext>
-            </a:extLst>
-          </p:cNvPr>
-          <p:cNvSpPr>
-            <a:spLocks noGrp="1"/>
-          </p:cNvSpPr>
-          <p:nvPr>
-            <p:ph type="title"/>
-          </p:nvPr>
-        </p:nvSpPr>
-        <p:spPr/>
-        <p:txBody>
-          <a:bodyPr/>
-          <a:lstStyle/>
-          <a:p>
-            <a:r>
-              <a:rPr lang="en-US" dirty="0"/>
-              <a:t>Correlation Between Coffee Consumption and Productivity (more precise)</a:t>
-            </a:r>
-          </a:p>
-        </p:txBody>
-      </p:sp>
-      <p:pic>
-        <p:nvPicPr>
-          <p:cNvPr id="4" name="Content Placeholder 3">
-            <a:extLst>
-              <a:ext uri="{FF2B5EF4-FFF2-40B4-BE49-F238E27FC236}">
-                <a16:creationId xmlns:a16="http://schemas.microsoft.com/office/drawing/2014/main" id="{2DD4EBDA-9D4A-4D26-A87D-86093A0E93AD}"/>
-              </a:ext>
-            </a:extLst>
-          </p:cNvPr>
-          <p:cNvPicPr>
-            <a:picLocks noGrp="1" noChangeAspect="1"/>
-          </p:cNvPicPr>
-          <p:nvPr>
-            <p:ph idx="1"/>
-          </p:nvPr>
-        </p:nvPicPr>
-        <p:blipFill>
-          <a:blip r:embed="rId2"/>
-          <a:stretch>
-            <a:fillRect/>
-          </a:stretch>
-        </p:blipFill>
-        <p:spPr>
-          <a:xfrm>
-            <a:off x="2306574" y="1825625"/>
-            <a:ext cx="7578851" cy="4351338"/>
-          </a:xfrm>
-          <a:prstGeom prst="rect">
-            <a:avLst/>
-          </a:prstGeom>
-        </p:spPr>
-      </p:pic>
-    </p:spTree>
-    <p:extLst>
-      <p:ext uri="{BB962C8B-B14F-4D97-AF65-F5344CB8AC3E}">
-        <p14:creationId xmlns:p14="http://schemas.microsoft.com/office/powerpoint/2010/main" val="282318839"/>
-      </p:ext>
-    </p:extLst>
-  </p:cSld>
-  <p:clrMapOvr>
-    <a:masterClrMapping/>
-  </p:clrMapOvr>
-</p:sld>
-</file>
-
-<file path=ppt/slides/slide15.xml><?xml version="1.0" encoding="utf-8"?>
-<p:sld xmlns:a="http://schemas.openxmlformats.org/drawingml/2006/main" xmlns:r="http://schemas.openxmlformats.org/officeDocument/2006/relationships" xmlns:p="http://schemas.openxmlformats.org/presentationml/2006/main">
-  <p:cSld>
-    <p:spTree>
-      <p:nvGrpSpPr>
-        <p:cNvPr id="1" name=""/>
-        <p:cNvGrpSpPr/>
-        <p:nvPr/>
-      </p:nvGrpSpPr>
-      <p:grpSpPr>
-        <a:xfrm>
-          <a:off x="0" y="0"/>
-          <a:ext cx="0" cy="0"/>
-          <a:chOff x="0" y="0"/>
-          <a:chExt cx="0" cy="0"/>
-        </a:xfrm>
-      </p:grpSpPr>
-      <p:sp>
-        <p:nvSpPr>
-          <p:cNvPr id="2" name="Title 1">
-            <a:extLst>
-              <a:ext uri="{FF2B5EF4-FFF2-40B4-BE49-F238E27FC236}">
-                <a16:creationId xmlns:a16="http://schemas.microsoft.com/office/drawing/2014/main" id="{862AE061-B59E-4EEA-9560-F36E2974C2DE}"/>
-              </a:ext>
-            </a:extLst>
-          </p:cNvPr>
-          <p:cNvSpPr>
-            <a:spLocks noGrp="1"/>
-          </p:cNvSpPr>
-          <p:nvPr>
-            <p:ph type="title"/>
-          </p:nvPr>
-        </p:nvSpPr>
-        <p:spPr/>
-        <p:txBody>
-          <a:bodyPr/>
-          <a:lstStyle/>
-          <a:p>
-            <a:r>
-              <a:rPr lang="en-US" dirty="0"/>
-              <a:t>Hypothesis Test: Can We Reject Null-Hypothesis(H0)?</a:t>
-            </a:r>
-          </a:p>
-        </p:txBody>
-      </p:sp>
-      <p:pic>
-        <p:nvPicPr>
-          <p:cNvPr id="9" name="Content Placeholder 8">
-            <a:extLst>
-              <a:ext uri="{FF2B5EF4-FFF2-40B4-BE49-F238E27FC236}">
-                <a16:creationId xmlns:a16="http://schemas.microsoft.com/office/drawing/2014/main" id="{B153D7FB-B95C-48D4-BEC4-1BBCF809C254}"/>
-              </a:ext>
-            </a:extLst>
-          </p:cNvPr>
-          <p:cNvPicPr>
-            <a:picLocks noGrp="1" noChangeAspect="1"/>
-          </p:cNvPicPr>
-          <p:nvPr>
-            <p:ph idx="1"/>
-          </p:nvPr>
-        </p:nvPicPr>
-        <p:blipFill>
-          <a:blip r:embed="rId2"/>
-          <a:stretch>
-            <a:fillRect/>
-          </a:stretch>
-        </p:blipFill>
-        <p:spPr>
-          <a:xfrm>
-            <a:off x="928249" y="2060020"/>
-            <a:ext cx="6562725" cy="1552575"/>
-          </a:xfrm>
-          <a:prstGeom prst="rect">
-            <a:avLst/>
-          </a:prstGeom>
-        </p:spPr>
-      </p:pic>
-      <p:sp>
-        <p:nvSpPr>
-          <p:cNvPr id="10" name="TextBox 9">
-            <a:extLst>
-              <a:ext uri="{FF2B5EF4-FFF2-40B4-BE49-F238E27FC236}">
-                <a16:creationId xmlns:a16="http://schemas.microsoft.com/office/drawing/2014/main" id="{B7685A60-DDC1-40F6-8AB1-138A340BAC1D}"/>
-              </a:ext>
-            </a:extLst>
-          </p:cNvPr>
-          <p:cNvSpPr txBox="1"/>
-          <p:nvPr/>
-        </p:nvSpPr>
-        <p:spPr>
-          <a:xfrm>
-            <a:off x="980895" y="4953609"/>
-            <a:ext cx="9543012" cy="923330"/>
-          </a:xfrm>
-          <a:prstGeom prst="rect">
-            <a:avLst/>
-          </a:prstGeom>
-          <a:noFill/>
-        </p:spPr>
-        <p:txBody>
-          <a:bodyPr wrap="square" rtlCol="0">
-            <a:spAutoFit/>
-          </a:bodyPr>
-          <a:lstStyle/>
-          <a:p>
-            <a:pPr marL="285750" indent="-285750">
-              <a:buFont typeface="Arial" panose="020B0604020202020204" pitchFamily="34" charset="0"/>
-              <a:buChar char="•"/>
-            </a:pPr>
-            <a:r>
-              <a:rPr lang="en-US" dirty="0"/>
-              <a:t>p-value is &lt; 0.05</a:t>
-            </a:r>
-          </a:p>
-          <a:p>
-            <a:pPr marL="285750" indent="-285750">
-              <a:buFont typeface="Arial" panose="020B0604020202020204" pitchFamily="34" charset="0"/>
-              <a:buChar char="•"/>
-            </a:pPr>
-            <a:r>
-              <a:rPr lang="en-US" dirty="0"/>
-              <a:t>We Reject Null-Hypothesis.</a:t>
-            </a:r>
-          </a:p>
-          <a:p>
-            <a:pPr marL="285750" indent="-285750">
-              <a:buFont typeface="Arial" panose="020B0604020202020204" pitchFamily="34" charset="0"/>
-              <a:buChar char="•"/>
-            </a:pPr>
-            <a:r>
-              <a:rPr lang="en-US" dirty="0"/>
-              <a:t>Drinking Coffee and Higher Productivity is correlated!</a:t>
-            </a:r>
-          </a:p>
-        </p:txBody>
-      </p:sp>
-      <p:sp>
-        <p:nvSpPr>
-          <p:cNvPr id="12" name="Speech Bubble: Rectangle 11">
-            <a:extLst>
-              <a:ext uri="{FF2B5EF4-FFF2-40B4-BE49-F238E27FC236}">
-                <a16:creationId xmlns:a16="http://schemas.microsoft.com/office/drawing/2014/main" id="{39836443-8A62-41BE-B9AA-D54781D8376C}"/>
-              </a:ext>
-            </a:extLst>
-          </p:cNvPr>
-          <p:cNvSpPr/>
-          <p:nvPr/>
-        </p:nvSpPr>
-        <p:spPr>
-          <a:xfrm>
-            <a:off x="6323209" y="3699599"/>
-            <a:ext cx="2061563" cy="454429"/>
-          </a:xfrm>
-          <a:prstGeom prst="wedgeRectCallout">
-            <a:avLst>
-              <a:gd name="adj1" fmla="val -35887"/>
-              <a:gd name="adj2" fmla="val -99695"/>
-            </a:avLst>
-          </a:prstGeom>
-          <a:ln>
-            <a:noFill/>
-          </a:ln>
-        </p:spPr>
-        <p:style>
-          <a:lnRef idx="2">
-            <a:schemeClr val="dk1">
-              <a:shade val="50000"/>
-            </a:schemeClr>
-          </a:lnRef>
-          <a:fillRef idx="1">
-            <a:schemeClr val="dk1"/>
-          </a:fillRef>
-          <a:effectRef idx="0">
-            <a:schemeClr val="dk1"/>
-          </a:effectRef>
-          <a:fontRef idx="minor">
-            <a:schemeClr val="lt1"/>
-          </a:fontRef>
-        </p:style>
-        <p:txBody>
-          <a:bodyPr rtlCol="0" anchor="ctr"/>
-          <a:lstStyle/>
-          <a:p>
-            <a:pPr algn="ctr"/>
-            <a:r>
-              <a:rPr lang="en-US" dirty="0"/>
-              <a:t>P-value</a:t>
-            </a:r>
-          </a:p>
-        </p:txBody>
-      </p:sp>
-      <p:sp>
-        <p:nvSpPr>
-          <p:cNvPr id="13" name="Speech Bubble: Rectangle 12">
-            <a:extLst>
-              <a:ext uri="{FF2B5EF4-FFF2-40B4-BE49-F238E27FC236}">
-                <a16:creationId xmlns:a16="http://schemas.microsoft.com/office/drawing/2014/main" id="{3DBF9850-29B7-4CB9-9B52-A3E41B51EE40}"/>
-              </a:ext>
-            </a:extLst>
-          </p:cNvPr>
-          <p:cNvSpPr/>
-          <p:nvPr/>
-        </p:nvSpPr>
-        <p:spPr>
-          <a:xfrm>
-            <a:off x="1651462" y="3818295"/>
-            <a:ext cx="2737658" cy="498310"/>
-          </a:xfrm>
-          <a:prstGeom prst="wedgeRectCallout">
-            <a:avLst>
-              <a:gd name="adj1" fmla="val -38669"/>
-              <a:gd name="adj2" fmla="val -99870"/>
-            </a:avLst>
-          </a:prstGeom>
-          <a:ln>
-            <a:noFill/>
-          </a:ln>
-        </p:spPr>
-        <p:style>
-          <a:lnRef idx="2">
-            <a:schemeClr val="dk1">
-              <a:shade val="50000"/>
-            </a:schemeClr>
-          </a:lnRef>
-          <a:fillRef idx="1">
-            <a:schemeClr val="dk1"/>
-          </a:fillRef>
-          <a:effectRef idx="0">
-            <a:schemeClr val="dk1"/>
-          </a:effectRef>
-          <a:fontRef idx="minor">
-            <a:schemeClr val="lt1"/>
-          </a:fontRef>
-        </p:style>
-        <p:txBody>
-          <a:bodyPr rtlCol="0" anchor="ctr"/>
-          <a:lstStyle/>
-          <a:p>
-            <a:pPr algn="ctr"/>
-            <a:r>
-              <a:rPr lang="en-US" dirty="0"/>
-              <a:t>Correlation coefficient</a:t>
-            </a:r>
-          </a:p>
-        </p:txBody>
-      </p:sp>
-    </p:spTree>
-    <p:extLst>
-      <p:ext uri="{BB962C8B-B14F-4D97-AF65-F5344CB8AC3E}">
-        <p14:creationId xmlns:p14="http://schemas.microsoft.com/office/powerpoint/2010/main" val="2103893604"/>
-      </p:ext>
-    </p:extLst>
-  </p:cSld>
-  <p:clrMapOvr>
-    <a:masterClrMapping/>
-  </p:clrMapOvr>
-</p:sld>
-</file>
-
-<file path=ppt/slides/slide16.xml><?xml version="1.0" encoding="utf-8"?>
-<p:sld xmlns:a="http://schemas.openxmlformats.org/drawingml/2006/main" xmlns:r="http://schemas.openxmlformats.org/officeDocument/2006/relationships" xmlns:p="http://schemas.openxmlformats.org/presentationml/2006/main">
-  <p:cSld>
-    <p:spTree>
-      <p:nvGrpSpPr>
-        <p:cNvPr id="1" name=""/>
-        <p:cNvGrpSpPr/>
-        <p:nvPr/>
-      </p:nvGrpSpPr>
-      <p:grpSpPr>
-        <a:xfrm>
-          <a:off x="0" y="0"/>
-          <a:ext cx="0" cy="0"/>
-          <a:chOff x="0" y="0"/>
-          <a:chExt cx="0" cy="0"/>
-        </a:xfrm>
-      </p:grpSpPr>
-      <p:sp>
-        <p:nvSpPr>
-          <p:cNvPr id="2" name="Title 1">
-            <a:extLst>
-              <a:ext uri="{FF2B5EF4-FFF2-40B4-BE49-F238E27FC236}">
                 <a16:creationId xmlns:a16="http://schemas.microsoft.com/office/drawing/2014/main" id="{8D1E72F5-FBA0-4F2C-AD42-F8D7AFCCCB29}"/>
               </a:ext>
             </a:extLst>
@@ -4215,37 +3952,43 @@
         <p:spPr/>
         <p:txBody>
           <a:bodyPr>
-            <a:normAutofit fontScale="92500" lnSpcReduction="10000"/>
+            <a:normAutofit/>
           </a:bodyPr>
           <a:lstStyle/>
           <a:p>
             <a:r>
+              <a:rPr lang="en-US" dirty="0">
+                <a:sym typeface="Wingdings" panose="05000000000000000000" pitchFamily="2" charset="2"/>
+              </a:rPr>
+              <a:t>Amount of coffee consumed and higher productivity measured as GDP per hour worked are correlated.</a:t>
+            </a:r>
+          </a:p>
+          <a:p>
+            <a:pPr marL="0" indent="0">
+              <a:buNone/>
+            </a:pPr>
+            <a:r>
+              <a:rPr lang="en-US" dirty="0">
+                <a:sym typeface="Wingdings" panose="05000000000000000000" pitchFamily="2" charset="2"/>
+              </a:rPr>
+              <a:t>    (p-value &lt; 0.05 and correlation coefficient = 0.633)</a:t>
+            </a:r>
+          </a:p>
+          <a:p>
+            <a:endParaRPr lang="en-US" dirty="0">
+              <a:sym typeface="Wingdings" panose="05000000000000000000" pitchFamily="2" charset="2"/>
+            </a:endParaRPr>
+          </a:p>
+          <a:p>
+            <a:r>
+              <a:rPr lang="en-US" dirty="0">
+                <a:sym typeface="Wingdings" panose="05000000000000000000" pitchFamily="2" charset="2"/>
+              </a:rPr>
+              <a:t>According to linear regression, if the amount of coffee c</a:t>
+            </a:r>
+            <a:r>
               <a:rPr lang="en-US" dirty="0"/>
-              <a:t>The biggest coffee market is the United States, Germany, Japan, France, Italy</a:t>
-            </a:r>
-          </a:p>
-          <a:p>
-            <a:r>
-              <a:rPr lang="en-US" dirty="0"/>
-              <a:t>The top coffee drinkers per capita live in Luxembourg, Finland, Norway, Denmark, Sweden</a:t>
-            </a:r>
-          </a:p>
-          <a:p>
-            <a:r>
-              <a:rPr lang="en-US" dirty="0"/>
-              <a:t>High Productivity (work effective) countries are Luxembourg, Norway, Belgian, Netherland, Denmark</a:t>
-            </a:r>
-          </a:p>
-          <a:p>
-            <a:r>
-              <a:rPr lang="en-US" dirty="0"/>
-              <a:t>Amount of coffee consumed and higher productivity measured as GDP per hour worked are correlated.</a:t>
-            </a:r>
-          </a:p>
-          <a:p>
-            <a:r>
-              <a:rPr lang="en-US" dirty="0"/>
-              <a:t>Consuming coffee less than 15 kg (33 </a:t>
+              <a:t>onsumption is less than 15 kg (33 </a:t>
             </a:r>
             <a:r>
               <a:rPr lang="en-US" dirty="0" err="1"/>
@@ -4253,8 +3996,39 @@
             </a:r>
             <a:r>
               <a:rPr lang="en-US" dirty="0"/>
-              <a:t>) per capita has stronger correlation but consuming larger than 15 kg per capita shows weaker correlation. </a:t>
-            </a:r>
+              <a:t>), productivity increases much faster (bigger slope), while the productivity decreases slowly when the consumption is larger than 15 kg</a:t>
+            </a:r>
+          </a:p>
+          <a:p>
+            <a:pPr marL="0" indent="0">
+              <a:buNone/>
+            </a:pPr>
+            <a:r>
+              <a:rPr lang="en-US" dirty="0"/>
+              <a:t>   (slope: m</a:t>
+            </a:r>
+            <a:r>
+              <a:rPr lang="en-US" baseline="-25000" dirty="0"/>
+              <a:t>&lt;15</a:t>
+            </a:r>
+            <a:r>
+              <a:rPr lang="en-US" dirty="0"/>
+              <a:t> = 3.89,  m</a:t>
+            </a:r>
+            <a:r>
+              <a:rPr lang="en-US" baseline="-25000" dirty="0"/>
+              <a:t>&gt;15</a:t>
+            </a:r>
+            <a:r>
+              <a:rPr lang="en-US" dirty="0"/>
+              <a:t> = 0.32), </a:t>
+            </a:r>
+          </a:p>
+          <a:p>
+            <a:pPr marL="0" indent="0">
+              <a:buNone/>
+            </a:pPr>
+            <a:endParaRPr lang="en-US" dirty="0"/>
           </a:p>
         </p:txBody>
       </p:sp>
@@ -4262,123 +4036,6 @@
     <p:extLst>
       <p:ext uri="{BB962C8B-B14F-4D97-AF65-F5344CB8AC3E}">
         <p14:creationId xmlns:p14="http://schemas.microsoft.com/office/powerpoint/2010/main" val="3631595797"/>
-      </p:ext>
-    </p:extLst>
-  </p:cSld>
-  <p:clrMapOvr>
-    <a:masterClrMapping/>
-  </p:clrMapOvr>
-</p:sld>
-</file>
-
-<file path=ppt/slides/slide17.xml><?xml version="1.0" encoding="utf-8"?>
-<p:sld xmlns:a="http://schemas.openxmlformats.org/drawingml/2006/main" xmlns:r="http://schemas.openxmlformats.org/officeDocument/2006/relationships" xmlns:p="http://schemas.openxmlformats.org/presentationml/2006/main">
-  <p:cSld>
-    <p:spTree>
-      <p:nvGrpSpPr>
-        <p:cNvPr id="1" name=""/>
-        <p:cNvGrpSpPr/>
-        <p:nvPr/>
-      </p:nvGrpSpPr>
-      <p:grpSpPr>
-        <a:xfrm>
-          <a:off x="0" y="0"/>
-          <a:ext cx="0" cy="0"/>
-          <a:chOff x="0" y="0"/>
-          <a:chExt cx="0" cy="0"/>
-        </a:xfrm>
-      </p:grpSpPr>
-      <p:sp>
-        <p:nvSpPr>
-          <p:cNvPr id="2" name="Title 1">
-            <a:extLst>
-              <a:ext uri="{FF2B5EF4-FFF2-40B4-BE49-F238E27FC236}">
-                <a16:creationId xmlns:a16="http://schemas.microsoft.com/office/drawing/2014/main" id="{6FB3388E-8F2B-4F9E-98BA-F5505E77BE65}"/>
-              </a:ext>
-            </a:extLst>
-          </p:cNvPr>
-          <p:cNvSpPr>
-            <a:spLocks noGrp="1"/>
-          </p:cNvSpPr>
-          <p:nvPr>
-            <p:ph type="title"/>
-          </p:nvPr>
-        </p:nvSpPr>
-        <p:spPr/>
-        <p:txBody>
-          <a:bodyPr/>
-          <a:lstStyle/>
-          <a:p>
-            <a:endParaRPr lang="en-US"/>
-          </a:p>
-        </p:txBody>
-      </p:sp>
-      <p:pic>
-        <p:nvPicPr>
-          <p:cNvPr id="4" name="Content Placeholder 3">
-            <a:extLst>
-              <a:ext uri="{FF2B5EF4-FFF2-40B4-BE49-F238E27FC236}">
-                <a16:creationId xmlns:a16="http://schemas.microsoft.com/office/drawing/2014/main" id="{FC5AC249-823D-4FF3-ADC2-D2F1EFBDC6F0}"/>
-              </a:ext>
-            </a:extLst>
-          </p:cNvPr>
-          <p:cNvPicPr>
-            <a:picLocks noGrp="1" noChangeAspect="1"/>
-          </p:cNvPicPr>
-          <p:nvPr>
-            <p:ph idx="1"/>
-          </p:nvPr>
-        </p:nvPicPr>
-        <p:blipFill>
-          <a:blip r:embed="rId2"/>
-          <a:stretch>
-            <a:fillRect/>
-          </a:stretch>
-        </p:blipFill>
-        <p:spPr>
-          <a:xfrm>
-            <a:off x="3868606" y="1825625"/>
-            <a:ext cx="4454787" cy="4351338"/>
-          </a:xfrm>
-          <a:prstGeom prst="rect">
-            <a:avLst/>
-          </a:prstGeom>
-        </p:spPr>
-      </p:pic>
-      <p:pic>
-        <p:nvPicPr>
-          <p:cNvPr id="5" name="Content Placeholder 5">
-            <a:extLst>
-              <a:ext uri="{FF2B5EF4-FFF2-40B4-BE49-F238E27FC236}">
-                <a16:creationId xmlns:a16="http://schemas.microsoft.com/office/drawing/2014/main" id="{E0085E63-90C2-4A9D-A8E1-2D8E09E8A3CF}"/>
-              </a:ext>
-            </a:extLst>
-          </p:cNvPr>
-          <p:cNvPicPr>
-            <a:picLocks noChangeAspect="1"/>
-          </p:cNvPicPr>
-          <p:nvPr/>
-        </p:nvPicPr>
-        <p:blipFill>
-          <a:blip r:embed="rId3"/>
-          <a:stretch>
-            <a:fillRect/>
-          </a:stretch>
-        </p:blipFill>
-        <p:spPr>
-          <a:xfrm>
-            <a:off x="887253" y="2938259"/>
-            <a:ext cx="1949595" cy="1450270"/>
-          </a:xfrm>
-          <a:prstGeom prst="rect">
-            <a:avLst/>
-          </a:prstGeom>
-        </p:spPr>
-      </p:pic>
-    </p:spTree>
-    <p:extLst>
-      <p:ext uri="{BB962C8B-B14F-4D97-AF65-F5344CB8AC3E}">
-        <p14:creationId xmlns:p14="http://schemas.microsoft.com/office/powerpoint/2010/main" val="3736160222"/>
       </p:ext>
     </p:extLst>
   </p:cSld>
@@ -4574,11 +4231,13 @@
         </p:nvSpPr>
         <p:spPr/>
         <p:txBody>
-          <a:bodyPr/>
-          <a:lstStyle/>
-          <a:p>
-            <a:r>
-              <a:rPr lang="en-US" dirty="0"/>
+          <a:bodyPr>
+            <a:normAutofit/>
+          </a:bodyPr>
+          <a:lstStyle/>
+          <a:p>
+            <a:r>
+              <a:rPr lang="en-US" b="1" dirty="0"/>
               <a:t>Contents</a:t>
             </a:r>
           </a:p>
@@ -4602,52 +4261,39 @@
         </p:nvSpPr>
         <p:spPr/>
         <p:txBody>
-          <a:bodyPr/>
-          <a:lstStyle/>
-          <a:p>
-            <a:r>
-              <a:rPr lang="en-US" dirty="0"/>
-              <a:t>Total Coffee Consumption by Country</a:t>
-            </a:r>
-          </a:p>
-          <a:p>
-            <a:r>
-              <a:rPr lang="en-US" dirty="0"/>
-              <a:t>Coffee Consumption per Capita by Country</a:t>
-            </a:r>
-          </a:p>
-          <a:p>
-            <a:r>
-              <a:rPr lang="en-US" dirty="0"/>
-              <a:t>Productivity (GDP per hour worked) Trend by Country</a:t>
-            </a:r>
-          </a:p>
-          <a:p>
-            <a:r>
-              <a:rPr lang="en-US" dirty="0"/>
-              <a:t>Top Coffee Drinking Countries and Top Productivity Counties?</a:t>
-            </a:r>
-          </a:p>
-          <a:p>
-            <a:r>
-              <a:rPr lang="en-US" dirty="0"/>
-              <a:t>Coffee Consumption Productivity by Year</a:t>
-            </a:r>
-          </a:p>
-          <a:p>
-            <a:r>
-              <a:rPr lang="en-US" dirty="0"/>
+          <a:bodyPr>
+            <a:normAutofit/>
+          </a:bodyPr>
+          <a:lstStyle/>
+          <a:p>
+            <a:r>
+              <a:rPr lang="en-US" b="1" dirty="0"/>
+              <a:t>World Coffee Consumption Trend</a:t>
+            </a:r>
+          </a:p>
+          <a:p>
+            <a:r>
+              <a:rPr lang="en-US" b="1" dirty="0"/>
+              <a:t>World Productivity (GDP per Hour Worked) Trend</a:t>
+            </a:r>
+          </a:p>
+          <a:p>
+            <a:r>
+              <a:rPr lang="en-US" b="1" dirty="0"/>
+              <a:t>Top Coffee Consuming Countries</a:t>
+            </a:r>
+          </a:p>
+          <a:p>
+            <a:r>
+              <a:rPr lang="en-US" b="1" dirty="0"/>
+              <a:t>Top Productivity Countries</a:t>
+            </a:r>
+          </a:p>
+          <a:p>
+            <a:r>
+              <a:rPr lang="en-US" b="1" dirty="0"/>
               <a:t>Correlation Between Coffee Consumption and Productivity</a:t>
             </a:r>
-          </a:p>
-          <a:p>
-            <a:r>
-              <a:rPr lang="en-US" dirty="0"/>
-              <a:t>Hypothesis Test: Can We Reject Null-Hypothesis(H0)?</a:t>
-            </a:r>
-          </a:p>
-          <a:p>
-            <a:endParaRPr lang="en-US" dirty="0"/>
           </a:p>
         </p:txBody>
       </p:sp>
@@ -4686,7 +4332,7 @@
           <p:cNvPr id="2" name="Title 1">
             <a:extLst>
               <a:ext uri="{FF2B5EF4-FFF2-40B4-BE49-F238E27FC236}">
-                <a16:creationId xmlns:a16="http://schemas.microsoft.com/office/drawing/2014/main" id="{C4392A95-E781-4AA1-87E1-899AB3DD0671}"/>
+                <a16:creationId xmlns:a16="http://schemas.microsoft.com/office/drawing/2014/main" id="{860A3DB4-5461-44FE-A940-E0A220FD88E5}"/>
               </a:ext>
             </a:extLst>
           </p:cNvPr>
@@ -4699,200 +4345,14 @@
         </p:nvSpPr>
         <p:spPr/>
         <p:txBody>
-          <a:bodyPr/>
-          <a:lstStyle/>
-          <a:p>
-            <a:r>
-              <a:rPr lang="en-US" dirty="0"/>
-              <a:t>Data Exploitation and Data Cleaning</a:t>
-            </a:r>
-          </a:p>
-        </p:txBody>
-      </p:sp>
-      <p:sp>
-        <p:nvSpPr>
-          <p:cNvPr id="3" name="Content Placeholder 2">
-            <a:extLst>
-              <a:ext uri="{FF2B5EF4-FFF2-40B4-BE49-F238E27FC236}">
-                <a16:creationId xmlns:a16="http://schemas.microsoft.com/office/drawing/2014/main" id="{43E7202A-3867-4F0D-BA55-9C6BB5F847F2}"/>
-              </a:ext>
-            </a:extLst>
-          </p:cNvPr>
-          <p:cNvSpPr>
-            <a:spLocks noGrp="1"/>
-          </p:cNvSpPr>
-          <p:nvPr>
-            <p:ph idx="1"/>
-          </p:nvPr>
-        </p:nvSpPr>
-        <p:spPr/>
-        <p:txBody>
-          <a:bodyPr/>
-          <a:lstStyle/>
-          <a:p>
-            <a:r>
-              <a:rPr lang="en-US" dirty="0"/>
-              <a:t>Coffee Data: ICO (International Coffee Organization)</a:t>
-            </a:r>
-          </a:p>
-          <a:p>
-            <a:r>
-              <a:rPr lang="en-US" dirty="0"/>
-              <a:t>Productivity Data: OECD (</a:t>
-            </a:r>
-            <a:r>
-              <a:rPr lang="en-US" dirty="0" err="1"/>
-              <a:t>Organisation</a:t>
-            </a:r>
-            <a:r>
-              <a:rPr lang="en-US" dirty="0"/>
-              <a:t> for Economic Co-operation and Development)</a:t>
-            </a:r>
-          </a:p>
-          <a:p>
-            <a:r>
-              <a:rPr lang="en-US" dirty="0"/>
-              <a:t>Population Data: Kaggle.com </a:t>
-            </a:r>
-          </a:p>
-          <a:p>
-            <a:pPr marL="0" indent="0">
-              <a:buNone/>
-            </a:pPr>
-            <a:endParaRPr lang="en-US" dirty="0"/>
-          </a:p>
-          <a:p>
-            <a:pPr marL="0" indent="0">
-              <a:buNone/>
-            </a:pPr>
-            <a:endParaRPr lang="en-US" dirty="0"/>
-          </a:p>
-        </p:txBody>
-      </p:sp>
-      <p:sp>
-        <p:nvSpPr>
-          <p:cNvPr id="5" name="TextBox 4">
-            <a:extLst>
-              <a:ext uri="{FF2B5EF4-FFF2-40B4-BE49-F238E27FC236}">
-                <a16:creationId xmlns:a16="http://schemas.microsoft.com/office/drawing/2014/main" id="{61DC246C-6541-448C-98AB-9D2F8BC1D5F1}"/>
-              </a:ext>
-            </a:extLst>
-          </p:cNvPr>
-          <p:cNvSpPr txBox="1"/>
-          <p:nvPr/>
-        </p:nvSpPr>
-        <p:spPr>
-          <a:xfrm>
-            <a:off x="1451956" y="4150822"/>
-            <a:ext cx="10379826" cy="2308324"/>
-          </a:xfrm>
-          <a:prstGeom prst="rect">
-            <a:avLst/>
-          </a:prstGeom>
-          <a:noFill/>
-          <a:ln>
-            <a:solidFill>
-              <a:schemeClr val="tx1"/>
-            </a:solidFill>
-          </a:ln>
-        </p:spPr>
-        <p:txBody>
-          <a:bodyPr wrap="square" rtlCol="0">
-            <a:spAutoFit/>
+          <a:bodyPr>
+            <a:normAutofit/>
           </a:bodyPr>
           <a:lstStyle/>
           <a:p>
-            <a:pPr algn="ctr"/>
-            <a:endParaRPr lang="en-US" dirty="0"/>
-          </a:p>
-          <a:p>
-            <a:pPr algn="ctr"/>
-            <a:r>
-              <a:rPr lang="en-US" dirty="0"/>
-              <a:t>Show DATA CLEANING CODE</a:t>
-            </a:r>
-          </a:p>
-          <a:p>
-            <a:r>
-              <a:rPr lang="en-US" dirty="0"/>
-              <a:t>https://github.com/mosleykc/Confabulators_Project_1/blob/Michael/data/data_cleanup.ipynb</a:t>
-            </a:r>
-          </a:p>
-          <a:p>
-            <a:endParaRPr lang="en-US" dirty="0"/>
-          </a:p>
-          <a:p>
-            <a:pPr algn="ctr"/>
-            <a:r>
-              <a:rPr lang="en-US" dirty="0"/>
-              <a:t>HERE</a:t>
-            </a:r>
-          </a:p>
-          <a:p>
-            <a:endParaRPr lang="en-US" dirty="0"/>
-          </a:p>
-          <a:p>
-            <a:endParaRPr lang="en-US" dirty="0"/>
-          </a:p>
-          <a:p>
-            <a:endParaRPr lang="en-US" dirty="0"/>
-          </a:p>
-        </p:txBody>
-      </p:sp>
-    </p:spTree>
-    <p:extLst>
-      <p:ext uri="{BB962C8B-B14F-4D97-AF65-F5344CB8AC3E}">
-        <p14:creationId xmlns:p14="http://schemas.microsoft.com/office/powerpoint/2010/main" val="3887156941"/>
-      </p:ext>
-    </p:extLst>
-  </p:cSld>
-  <p:clrMapOvr>
-    <a:masterClrMapping/>
-  </p:clrMapOvr>
-</p:sld>
-</file>
-
-<file path=ppt/slides/slide5.xml><?xml version="1.0" encoding="utf-8"?>
-<p:sld xmlns:a="http://schemas.openxmlformats.org/drawingml/2006/main" xmlns:r="http://schemas.openxmlformats.org/officeDocument/2006/relationships" xmlns:p="http://schemas.openxmlformats.org/presentationml/2006/main">
-  <p:cSld>
-    <p:spTree>
-      <p:nvGrpSpPr>
-        <p:cNvPr id="1" name=""/>
-        <p:cNvGrpSpPr/>
-        <p:nvPr/>
-      </p:nvGrpSpPr>
-      <p:grpSpPr>
-        <a:xfrm>
-          <a:off x="0" y="0"/>
-          <a:ext cx="0" cy="0"/>
-          <a:chOff x="0" y="0"/>
-          <a:chExt cx="0" cy="0"/>
-        </a:xfrm>
-      </p:grpSpPr>
-      <p:sp>
-        <p:nvSpPr>
-          <p:cNvPr id="2" name="Title 1">
-            <a:extLst>
-              <a:ext uri="{FF2B5EF4-FFF2-40B4-BE49-F238E27FC236}">
-                <a16:creationId xmlns:a16="http://schemas.microsoft.com/office/drawing/2014/main" id="{860A3DB4-5461-44FE-A940-E0A220FD88E5}"/>
-              </a:ext>
-            </a:extLst>
-          </p:cNvPr>
-          <p:cNvSpPr>
-            <a:spLocks noGrp="1"/>
-          </p:cNvSpPr>
-          <p:nvPr>
-            <p:ph type="title"/>
-          </p:nvPr>
-        </p:nvSpPr>
-        <p:spPr/>
-        <p:txBody>
-          <a:bodyPr/>
-          <a:lstStyle/>
-          <a:p>
-            <a:r>
-              <a:rPr lang="en-US" dirty="0"/>
-              <a:t>Dataset ready!</a:t>
+            <a:r>
+              <a:rPr lang="en-US" sz="3200" dirty="0"/>
+              <a:t>Data Exploration and Data Cleaning</a:t>
             </a:r>
           </a:p>
         </p:txBody>
@@ -4942,6 +4402,121 @@
 </p:sld>
 </file>
 
+<file path=ppt/slides/slide5.xml><?xml version="1.0" encoding="utf-8"?>
+<p:sld xmlns:a="http://schemas.openxmlformats.org/drawingml/2006/main" xmlns:r="http://schemas.openxmlformats.org/officeDocument/2006/relationships" xmlns:p="http://schemas.openxmlformats.org/presentationml/2006/main">
+  <p:cSld>
+    <p:spTree>
+      <p:nvGrpSpPr>
+        <p:cNvPr id="1" name=""/>
+        <p:cNvGrpSpPr/>
+        <p:nvPr/>
+      </p:nvGrpSpPr>
+      <p:grpSpPr>
+        <a:xfrm>
+          <a:off x="0" y="0"/>
+          <a:ext cx="0" cy="0"/>
+          <a:chOff x="0" y="0"/>
+          <a:chExt cx="0" cy="0"/>
+        </a:xfrm>
+      </p:grpSpPr>
+      <p:sp>
+        <p:nvSpPr>
+          <p:cNvPr id="2" name="Title 1">
+            <a:extLst>
+              <a:ext uri="{FF2B5EF4-FFF2-40B4-BE49-F238E27FC236}">
+                <a16:creationId xmlns:a16="http://schemas.microsoft.com/office/drawing/2014/main" id="{EBDF927A-F702-4BE0-A01E-ABBAC9222344}"/>
+              </a:ext>
+            </a:extLst>
+          </p:cNvPr>
+          <p:cNvSpPr>
+            <a:spLocks noGrp="1"/>
+          </p:cNvSpPr>
+          <p:nvPr>
+            <p:ph type="title"/>
+          </p:nvPr>
+        </p:nvSpPr>
+        <p:spPr/>
+        <p:txBody>
+          <a:bodyPr>
+            <a:normAutofit/>
+          </a:bodyPr>
+          <a:lstStyle/>
+          <a:p>
+            <a:r>
+              <a:rPr lang="en-US" sz="3200" dirty="0"/>
+              <a:t>World Coffee Consumption per Capita by Year</a:t>
+            </a:r>
+          </a:p>
+        </p:txBody>
+      </p:sp>
+      <p:sp>
+        <p:nvSpPr>
+          <p:cNvPr id="17" name="Content Placeholder 16">
+            <a:extLst>
+              <a:ext uri="{FF2B5EF4-FFF2-40B4-BE49-F238E27FC236}">
+                <a16:creationId xmlns:a16="http://schemas.microsoft.com/office/drawing/2014/main" id="{5B7BCA24-A7C6-4E93-A693-36F882DAF4C8}"/>
+              </a:ext>
+            </a:extLst>
+          </p:cNvPr>
+          <p:cNvSpPr>
+            <a:spLocks noGrp="1"/>
+          </p:cNvSpPr>
+          <p:nvPr>
+            <p:ph idx="1"/>
+          </p:nvPr>
+        </p:nvSpPr>
+        <p:spPr/>
+        <p:txBody>
+          <a:bodyPr/>
+          <a:lstStyle/>
+          <a:p>
+            <a:endParaRPr lang="en-US" dirty="0"/>
+          </a:p>
+        </p:txBody>
+      </p:sp>
+      <p:pic>
+        <p:nvPicPr>
+          <p:cNvPr id="18" name="Picture 17">
+            <a:extLst>
+              <a:ext uri="{FF2B5EF4-FFF2-40B4-BE49-F238E27FC236}">
+                <a16:creationId xmlns:a16="http://schemas.microsoft.com/office/drawing/2014/main" id="{EDE1C513-CCA1-46F1-A2A5-6621B6200B58}"/>
+              </a:ext>
+            </a:extLst>
+          </p:cNvPr>
+          <p:cNvPicPr>
+            <a:picLocks noChangeAspect="1"/>
+          </p:cNvPicPr>
+          <p:nvPr/>
+        </p:nvPicPr>
+        <p:blipFill>
+          <a:blip r:embed="rId2"/>
+          <a:stretch>
+            <a:fillRect/>
+          </a:stretch>
+        </p:blipFill>
+        <p:spPr>
+          <a:xfrm>
+            <a:off x="838200" y="1825625"/>
+            <a:ext cx="10129058" cy="3562464"/>
+          </a:xfrm>
+          <a:prstGeom prst="rect">
+            <a:avLst/>
+          </a:prstGeom>
+        </p:spPr>
+      </p:pic>
+    </p:spTree>
+    <p:extLst>
+      <p:ext uri="{BB962C8B-B14F-4D97-AF65-F5344CB8AC3E}">
+        <p14:creationId xmlns:p14="http://schemas.microsoft.com/office/powerpoint/2010/main" val="2991404489"/>
+      </p:ext>
+    </p:extLst>
+  </p:cSld>
+  <p:clrMapOvr>
+    <a:masterClrMapping/>
+  </p:clrMapOvr>
+</p:sld>
+</file>
+
 <file path=ppt/slides/slide6.xml><?xml version="1.0" encoding="utf-8"?>
 <p:sld xmlns:a="http://schemas.openxmlformats.org/drawingml/2006/main" xmlns:r="http://schemas.openxmlformats.org/officeDocument/2006/relationships" xmlns:p="http://schemas.openxmlformats.org/presentationml/2006/main">
   <p:cSld>
@@ -4964,7 +4539,7 @@
           <p:cNvPr id="2" name="Title 1">
             <a:extLst>
               <a:ext uri="{FF2B5EF4-FFF2-40B4-BE49-F238E27FC236}">
-                <a16:creationId xmlns:a16="http://schemas.microsoft.com/office/drawing/2014/main" id="{EBDF927A-F702-4BE0-A01E-ABBAC9222344}"/>
+                <a16:creationId xmlns:a16="http://schemas.microsoft.com/office/drawing/2014/main" id="{1868C9B0-DA6B-444F-85B6-E8D38A4DB07F}"/>
               </a:ext>
             </a:extLst>
           </p:cNvPr>
@@ -4977,57 +4552,24 @@
         </p:nvSpPr>
         <p:spPr/>
         <p:txBody>
-          <a:bodyPr/>
-          <a:lstStyle/>
-          <a:p>
-            <a:r>
-              <a:rPr lang="en-US" dirty="0"/>
-              <a:t>Total Coffee Consumption by Country </a:t>
-            </a:r>
-          </a:p>
-        </p:txBody>
-      </p:sp>
-      <p:sp>
-        <p:nvSpPr>
-          <p:cNvPr id="6" name="TextBox 5">
-            <a:extLst>
-              <a:ext uri="{FF2B5EF4-FFF2-40B4-BE49-F238E27FC236}">
-                <a16:creationId xmlns:a16="http://schemas.microsoft.com/office/drawing/2014/main" id="{D9C6AADE-74FC-4BCC-9BD0-FC7F64D8725B}"/>
-              </a:ext>
-            </a:extLst>
-          </p:cNvPr>
-          <p:cNvSpPr txBox="1"/>
-          <p:nvPr/>
-        </p:nvSpPr>
-        <p:spPr>
-          <a:xfrm>
-            <a:off x="931024" y="1440101"/>
-            <a:ext cx="9144001" cy="369332"/>
-          </a:xfrm>
-          <a:prstGeom prst="rect">
-            <a:avLst/>
-          </a:prstGeom>
-          <a:noFill/>
-        </p:spPr>
-        <p:txBody>
-          <a:bodyPr wrap="square" rtlCol="0">
-            <a:spAutoFit/>
+          <a:bodyPr>
+            <a:normAutofit/>
           </a:bodyPr>
           <a:lstStyle/>
           <a:p>
             <a:r>
-              <a:rPr lang="en-US" dirty="0"/>
-              <a:t>* World largest Coffee Drinking Countries are USA, Germany and Japan, Italy, and France</a:t>
+              <a:rPr lang="en-US" sz="3200" dirty="0"/>
+              <a:t>Coffee Consumption Trend by Country </a:t>
             </a:r>
           </a:p>
         </p:txBody>
       </p:sp>
       <p:pic>
         <p:nvPicPr>
-          <p:cNvPr id="9" name="Content Placeholder 8">
-            <a:extLst>
-              <a:ext uri="{FF2B5EF4-FFF2-40B4-BE49-F238E27FC236}">
-                <a16:creationId xmlns:a16="http://schemas.microsoft.com/office/drawing/2014/main" id="{1AA9C7A6-6442-42E7-B414-E01913636CDD}"/>
+          <p:cNvPr id="11" name="Content Placeholder 10">
+            <a:extLst>
+              <a:ext uri="{FF2B5EF4-FFF2-40B4-BE49-F238E27FC236}">
+                <a16:creationId xmlns:a16="http://schemas.microsoft.com/office/drawing/2014/main" id="{584F55B2-3CF7-4FB7-9F8A-547ACD0CDEB9}"/>
               </a:ext>
             </a:extLst>
           </p:cNvPr>
@@ -5046,8 +4588,8 @@
         </p:blipFill>
         <p:spPr>
           <a:xfrm>
-            <a:off x="1884218" y="1825624"/>
-            <a:ext cx="7501902" cy="4960809"/>
+            <a:off x="624531" y="1690688"/>
+            <a:ext cx="8386466" cy="4834263"/>
           </a:xfrm>
           <a:prstGeom prst="rect">
             <a:avLst/>
@@ -5057,7 +4599,7 @@
     </p:spTree>
     <p:extLst>
       <p:ext uri="{BB962C8B-B14F-4D97-AF65-F5344CB8AC3E}">
-        <p14:creationId xmlns:p14="http://schemas.microsoft.com/office/powerpoint/2010/main" val="2991404489"/>
+        <p14:creationId xmlns:p14="http://schemas.microsoft.com/office/powerpoint/2010/main" val="1994412167"/>
       </p:ext>
     </p:extLst>
   </p:cSld>
@@ -5089,7 +4631,7 @@
           <p:cNvPr id="2" name="Title 1">
             <a:extLst>
               <a:ext uri="{FF2B5EF4-FFF2-40B4-BE49-F238E27FC236}">
-                <a16:creationId xmlns:a16="http://schemas.microsoft.com/office/drawing/2014/main" id="{1868C9B0-DA6B-444F-85B6-E8D38A4DB07F}"/>
+                <a16:creationId xmlns:a16="http://schemas.microsoft.com/office/drawing/2014/main" id="{0AD352B4-4703-4296-A996-FEDF31D3686F}"/>
               </a:ext>
             </a:extLst>
           </p:cNvPr>
@@ -5107,14 +4649,7 @@
           <a:p>
             <a:r>
               <a:rPr lang="en-US" dirty="0"/>
-              <a:t>Coffee Consumption per Capita by Country </a:t>
-            </a:r>
-            <a:br>
-              <a:rPr lang="en-US" dirty="0"/>
-            </a:br>
-            <a:r>
-              <a:rPr lang="en-US" sz="1800" dirty="0"/>
-              <a:t>(from 2000 to 2013, 15 years, mean)</a:t>
+              <a:t>World Productivity Trend by Year</a:t>
             </a:r>
           </a:p>
         </p:txBody>
@@ -5124,7 +4659,7 @@
           <p:cNvPr id="5" name="TextBox 4">
             <a:extLst>
               <a:ext uri="{FF2B5EF4-FFF2-40B4-BE49-F238E27FC236}">
-                <a16:creationId xmlns:a16="http://schemas.microsoft.com/office/drawing/2014/main" id="{1556FA90-C29F-48A2-916B-1437114501B3}"/>
+                <a16:creationId xmlns:a16="http://schemas.microsoft.com/office/drawing/2014/main" id="{4B59F162-6B2F-4F85-BA07-8ED5C673341A}"/>
               </a:ext>
             </a:extLst>
           </p:cNvPr>
@@ -5133,8 +4668,8 @@
         </p:nvSpPr>
         <p:spPr>
           <a:xfrm>
-            <a:off x="931024" y="1440101"/>
-            <a:ext cx="9543012" cy="369332"/>
+            <a:off x="931025" y="1440101"/>
+            <a:ext cx="11055928" cy="646331"/>
           </a:xfrm>
           <a:prstGeom prst="rect">
             <a:avLst/>
@@ -5147,17 +4682,23 @@
           </a:bodyPr>
           <a:lstStyle/>
           <a:p>
+            <a:pPr marL="285750" indent="-285750">
+              <a:buFont typeface="Arial" panose="020B0604020202020204" pitchFamily="34" charset="0"/>
+              <a:buChar char="•"/>
+            </a:pPr>
             <a:r>
               <a:rPr lang="en-US" dirty="0"/>
-              <a:t>* Top Coffee Drinking Countries per Capita are Luxembourg, Finland, </a:t>
-            </a:r>
-            <a:r>
-              <a:rPr lang="en-US" dirty="0" err="1"/>
-              <a:t>Normay</a:t>
-            </a:r>
+              <a:t>Productivity is measured by GDP(Gross Domestic Product) by hour per worked. </a:t>
+            </a:r>
+          </a:p>
+          <a:p>
+            <a:pPr marL="285750" indent="-285750">
+              <a:buFont typeface="Arial" panose="020B0604020202020204" pitchFamily="34" charset="0"/>
+              <a:buChar char="•"/>
+            </a:pPr>
             <a:r>
               <a:rPr lang="en-US" dirty="0"/>
-              <a:t>, Denmark, and Sweden</a:t>
+              <a:t>Growth in labor productivity indicates a higher level of output for every hour worked. </a:t>
             </a:r>
           </a:p>
         </p:txBody>
@@ -5167,7 +4708,7 @@
           <p:cNvPr id="8" name="Content Placeholder 7">
             <a:extLst>
               <a:ext uri="{FF2B5EF4-FFF2-40B4-BE49-F238E27FC236}">
-                <a16:creationId xmlns:a16="http://schemas.microsoft.com/office/drawing/2014/main" id="{6F625297-C02A-4E48-928F-201E09512DAB}"/>
+                <a16:creationId xmlns:a16="http://schemas.microsoft.com/office/drawing/2014/main" id="{FF39058F-043B-4C5A-94FD-42E849C1B5FF}"/>
               </a:ext>
             </a:extLst>
           </p:cNvPr>
@@ -5186,8 +4727,8 @@
         </p:blipFill>
         <p:spPr>
           <a:xfrm>
-            <a:off x="1950721" y="1825624"/>
-            <a:ext cx="7336375" cy="5063449"/>
+            <a:off x="633154" y="2538152"/>
+            <a:ext cx="8574539" cy="3008906"/>
           </a:xfrm>
           <a:prstGeom prst="rect">
             <a:avLst/>
@@ -5197,7 +4738,7 @@
     </p:spTree>
     <p:extLst>
       <p:ext uri="{BB962C8B-B14F-4D97-AF65-F5344CB8AC3E}">
-        <p14:creationId xmlns:p14="http://schemas.microsoft.com/office/powerpoint/2010/main" val="1994412167"/>
+        <p14:creationId xmlns:p14="http://schemas.microsoft.com/office/powerpoint/2010/main" val="4212562452"/>
       </p:ext>
     </p:extLst>
   </p:cSld>
@@ -5229,7 +4770,7 @@
           <p:cNvPr id="2" name="Title 1">
             <a:extLst>
               <a:ext uri="{FF2B5EF4-FFF2-40B4-BE49-F238E27FC236}">
-                <a16:creationId xmlns:a16="http://schemas.microsoft.com/office/drawing/2014/main" id="{84FF9AA2-15F6-45C2-BB9A-F743CCF9CEB2}"/>
+                <a16:creationId xmlns:a16="http://schemas.microsoft.com/office/drawing/2014/main" id="{59FCC5F7-1798-4A47-803E-5C8EF5D6C2CD}"/>
               </a:ext>
             </a:extLst>
           </p:cNvPr>
@@ -5247,74 +4788,17 @@
           <a:p>
             <a:r>
               <a:rPr lang="en-US" dirty="0"/>
-              <a:t>Productivity Trend by Country</a:t>
-            </a:r>
-          </a:p>
-        </p:txBody>
-      </p:sp>
-      <p:sp>
-        <p:nvSpPr>
-          <p:cNvPr id="8" name="TextBox 7">
-            <a:extLst>
-              <a:ext uri="{FF2B5EF4-FFF2-40B4-BE49-F238E27FC236}">
-                <a16:creationId xmlns:a16="http://schemas.microsoft.com/office/drawing/2014/main" id="{351F6FB8-05AC-47CF-B562-AF9A77868817}"/>
-              </a:ext>
-            </a:extLst>
-          </p:cNvPr>
-          <p:cNvSpPr txBox="1"/>
-          <p:nvPr/>
-        </p:nvSpPr>
-        <p:spPr>
-          <a:xfrm>
-            <a:off x="931025" y="1440101"/>
-            <a:ext cx="11055928" cy="646331"/>
-          </a:xfrm>
-          <a:prstGeom prst="rect">
-            <a:avLst/>
-          </a:prstGeom>
-          <a:noFill/>
-        </p:spPr>
-        <p:txBody>
-          <a:bodyPr wrap="square" rtlCol="0">
-            <a:spAutoFit/>
-          </a:bodyPr>
-          <a:lstStyle/>
-          <a:p>
-            <a:pPr marL="285750" indent="-285750">
-              <a:buFont typeface="Arial" panose="020B0604020202020204" pitchFamily="34" charset="0"/>
-              <a:buChar char="•"/>
-            </a:pPr>
-            <a:r>
-              <a:rPr lang="en-US" dirty="0"/>
-              <a:t>Productivity is measured by GDP(Gross Domestic Product) by hour per worked. </a:t>
-            </a:r>
-          </a:p>
-          <a:p>
-            <a:pPr marL="285750" indent="-285750">
-              <a:buFont typeface="Arial" panose="020B0604020202020204" pitchFamily="34" charset="0"/>
-              <a:buChar char="•"/>
-            </a:pPr>
-            <a:r>
-              <a:rPr lang="en-US" dirty="0"/>
-              <a:t>Growth in </a:t>
-            </a:r>
-            <a:r>
-              <a:rPr lang="en-US" dirty="0" err="1"/>
-              <a:t>labour</a:t>
-            </a:r>
-            <a:r>
-              <a:rPr lang="en-US" dirty="0"/>
-              <a:t> productivity indicates a higher level of output for every hour worked) </a:t>
+              <a:t>Productivity Trend by Country </a:t>
             </a:r>
           </a:p>
         </p:txBody>
       </p:sp>
       <p:pic>
         <p:nvPicPr>
-          <p:cNvPr id="11" name="Content Placeholder 10">
-            <a:extLst>
-              <a:ext uri="{FF2B5EF4-FFF2-40B4-BE49-F238E27FC236}">
-                <a16:creationId xmlns:a16="http://schemas.microsoft.com/office/drawing/2014/main" id="{3E8640C6-AF52-42D0-913C-07D898A3C8B4}"/>
+          <p:cNvPr id="4" name="Content Placeholder 3">
+            <a:extLst>
+              <a:ext uri="{FF2B5EF4-FFF2-40B4-BE49-F238E27FC236}">
+                <a16:creationId xmlns:a16="http://schemas.microsoft.com/office/drawing/2014/main" id="{25EE9533-5DAD-4ABC-8677-6481AA63A843}"/>
               </a:ext>
             </a:extLst>
           </p:cNvPr>
@@ -5333,8 +4817,8 @@
         </p:blipFill>
         <p:spPr>
           <a:xfrm>
-            <a:off x="2166851" y="2086432"/>
-            <a:ext cx="7021484" cy="4845387"/>
+            <a:off x="786518" y="1825624"/>
+            <a:ext cx="8296522" cy="4853609"/>
           </a:xfrm>
           <a:prstGeom prst="rect">
             <a:avLst/>
@@ -5344,7 +4828,7 @@
     </p:spTree>
     <p:extLst>
       <p:ext uri="{BB962C8B-B14F-4D97-AF65-F5344CB8AC3E}">
-        <p14:creationId xmlns:p14="http://schemas.microsoft.com/office/powerpoint/2010/main" val="4254449193"/>
+        <p14:creationId xmlns:p14="http://schemas.microsoft.com/office/powerpoint/2010/main" val="114580481"/>
       </p:ext>
     </p:extLst>
   </p:cSld>
@@ -5376,7 +4860,7 @@
           <p:cNvPr id="2" name="Title 1">
             <a:extLst>
               <a:ext uri="{FF2B5EF4-FFF2-40B4-BE49-F238E27FC236}">
-                <a16:creationId xmlns:a16="http://schemas.microsoft.com/office/drawing/2014/main" id="{B73A06F8-F0DF-4FE7-9BEE-C166CF80C69C}"/>
+                <a16:creationId xmlns:a16="http://schemas.microsoft.com/office/drawing/2014/main" id="{7DE14639-EA9D-47CF-BC53-08C1D6B3C97B}"/>
               </a:ext>
             </a:extLst>
           </p:cNvPr>
@@ -5387,29 +4871,26 @@
             <p:ph type="title"/>
           </p:nvPr>
         </p:nvSpPr>
-        <p:spPr>
-          <a:xfrm>
-            <a:off x="810491" y="365125"/>
-            <a:ext cx="10515600" cy="1325563"/>
-          </a:xfrm>
-        </p:spPr>
-        <p:txBody>
-          <a:bodyPr/>
-          <a:lstStyle/>
-          <a:p>
-            <a:r>
-              <a:rPr lang="en-US" dirty="0"/>
-              <a:t>Coffee Consumption and Productivity by Year</a:t>
+        <p:spPr/>
+        <p:txBody>
+          <a:bodyPr>
+            <a:normAutofit/>
+          </a:bodyPr>
+          <a:lstStyle/>
+          <a:p>
+            <a:r>
+              <a:rPr lang="en-US" sz="3200" dirty="0"/>
+              <a:t>Mean Coffee Consumption and Mean of Productivity by Year</a:t>
             </a:r>
           </a:p>
         </p:txBody>
       </p:sp>
       <p:pic>
         <p:nvPicPr>
-          <p:cNvPr id="4" name="Content Placeholder 3">
-            <a:extLst>
-              <a:ext uri="{FF2B5EF4-FFF2-40B4-BE49-F238E27FC236}">
-                <a16:creationId xmlns:a16="http://schemas.microsoft.com/office/drawing/2014/main" id="{3C3DEDDA-7767-4912-A413-1C7182537299}"/>
+          <p:cNvPr id="7" name="Content Placeholder 6">
+            <a:extLst>
+              <a:ext uri="{FF2B5EF4-FFF2-40B4-BE49-F238E27FC236}">
+                <a16:creationId xmlns:a16="http://schemas.microsoft.com/office/drawing/2014/main" id="{A2E58E1B-D566-4E08-8CBA-E3FD0ABD4802}"/>
               </a:ext>
             </a:extLst>
           </p:cNvPr>
@@ -5428,38 +4909,8 @@
         </p:blipFill>
         <p:spPr>
           <a:xfrm>
-            <a:off x="192745" y="2244441"/>
-            <a:ext cx="5570748" cy="3588307"/>
-          </a:xfrm>
-          <a:prstGeom prst="rect">
-            <a:avLst/>
-          </a:prstGeom>
-        </p:spPr>
-      </p:pic>
-      <p:pic>
-        <p:nvPicPr>
-          <p:cNvPr id="7" name="Picture 6">
-            <a:extLst>
-              <a:ext uri="{FF2B5EF4-FFF2-40B4-BE49-F238E27FC236}">
-                <a16:creationId xmlns:a16="http://schemas.microsoft.com/office/drawing/2014/main" id="{A4610EDE-DB60-4237-AC4E-46BF2853B8D6}"/>
-              </a:ext>
-            </a:extLst>
-          </p:cNvPr>
-          <p:cNvPicPr>
-            <a:picLocks noChangeAspect="1"/>
-          </p:cNvPicPr>
-          <p:nvPr/>
-        </p:nvPicPr>
-        <p:blipFill>
-          <a:blip r:embed="rId3"/>
-          <a:stretch>
-            <a:fillRect/>
-          </a:stretch>
-        </p:blipFill>
-        <p:spPr>
-          <a:xfrm>
-            <a:off x="5852160" y="2139143"/>
-            <a:ext cx="6339840" cy="3777342"/>
+            <a:off x="838200" y="2231927"/>
+            <a:ext cx="8002769" cy="3717822"/>
           </a:xfrm>
           <a:prstGeom prst="rect">
             <a:avLst/>
@@ -5469,7 +4920,7 @@
     </p:spTree>
     <p:extLst>
       <p:ext uri="{BB962C8B-B14F-4D97-AF65-F5344CB8AC3E}">
-        <p14:creationId xmlns:p14="http://schemas.microsoft.com/office/powerpoint/2010/main" val="4294357799"/>
+        <p14:creationId xmlns:p14="http://schemas.microsoft.com/office/powerpoint/2010/main" val="1066985327"/>
       </p:ext>
     </p:extLst>
   </p:cSld>
